--- a/Assets/5.Deliverables/Continuous architecture generic-deliverable-2020.2 - V2.pptx
+++ b/Assets/5.Deliverables/Continuous architecture generic-deliverable-2020.2 - V2.pptx
@@ -254,7 +254,7 @@
           <a:p>
             <a:fld id="{E2F92F16-412C-4EC9-935A-E8378F67AD79}" type="datetimeFigureOut">
               <a:rPr lang="fr-FR" smtClean="0"/>
-              <a:t>14/12/2020</a:t>
+              <a:t>02/02/2021</a:t>
             </a:fld>
             <a:endParaRPr lang="fr-FR"/>
           </a:p>
@@ -424,7 +424,7 @@
           <a:p>
             <a:fld id="{E2F92F16-412C-4EC9-935A-E8378F67AD79}" type="datetimeFigureOut">
               <a:rPr lang="fr-FR" smtClean="0"/>
-              <a:t>14/12/2020</a:t>
+              <a:t>02/02/2021</a:t>
             </a:fld>
             <a:endParaRPr lang="fr-FR"/>
           </a:p>
@@ -604,7 +604,7 @@
           <a:p>
             <a:fld id="{E2F92F16-412C-4EC9-935A-E8378F67AD79}" type="datetimeFigureOut">
               <a:rPr lang="fr-FR" smtClean="0"/>
-              <a:t>14/12/2020</a:t>
+              <a:t>02/02/2021</a:t>
             </a:fld>
             <a:endParaRPr lang="fr-FR"/>
           </a:p>
@@ -774,7 +774,7 @@
           <a:p>
             <a:fld id="{E2F92F16-412C-4EC9-935A-E8378F67AD79}" type="datetimeFigureOut">
               <a:rPr lang="fr-FR" smtClean="0"/>
-              <a:t>14/12/2020</a:t>
+              <a:t>02/02/2021</a:t>
             </a:fld>
             <a:endParaRPr lang="fr-FR"/>
           </a:p>
@@ -1018,7 +1018,7 @@
           <a:p>
             <a:fld id="{E2F92F16-412C-4EC9-935A-E8378F67AD79}" type="datetimeFigureOut">
               <a:rPr lang="fr-FR" smtClean="0"/>
-              <a:t>14/12/2020</a:t>
+              <a:t>02/02/2021</a:t>
             </a:fld>
             <a:endParaRPr lang="fr-FR"/>
           </a:p>
@@ -1250,7 +1250,7 @@
           <a:p>
             <a:fld id="{E2F92F16-412C-4EC9-935A-E8378F67AD79}" type="datetimeFigureOut">
               <a:rPr lang="fr-FR" smtClean="0"/>
-              <a:t>14/12/2020</a:t>
+              <a:t>02/02/2021</a:t>
             </a:fld>
             <a:endParaRPr lang="fr-FR"/>
           </a:p>
@@ -1617,7 +1617,7 @@
           <a:p>
             <a:fld id="{E2F92F16-412C-4EC9-935A-E8378F67AD79}" type="datetimeFigureOut">
               <a:rPr lang="fr-FR" smtClean="0"/>
-              <a:t>14/12/2020</a:t>
+              <a:t>02/02/2021</a:t>
             </a:fld>
             <a:endParaRPr lang="fr-FR"/>
           </a:p>
@@ -1735,7 +1735,7 @@
           <a:p>
             <a:fld id="{E2F92F16-412C-4EC9-935A-E8378F67AD79}" type="datetimeFigureOut">
               <a:rPr lang="fr-FR" smtClean="0"/>
-              <a:t>14/12/2020</a:t>
+              <a:t>02/02/2021</a:t>
             </a:fld>
             <a:endParaRPr lang="fr-FR"/>
           </a:p>
@@ -1830,7 +1830,7 @@
           <a:p>
             <a:fld id="{E2F92F16-412C-4EC9-935A-E8378F67AD79}" type="datetimeFigureOut">
               <a:rPr lang="fr-FR" smtClean="0"/>
-              <a:t>14/12/2020</a:t>
+              <a:t>02/02/2021</a:t>
             </a:fld>
             <a:endParaRPr lang="fr-FR"/>
           </a:p>
@@ -2107,7 +2107,7 @@
           <a:p>
             <a:fld id="{E2F92F16-412C-4EC9-935A-E8378F67AD79}" type="datetimeFigureOut">
               <a:rPr lang="fr-FR" smtClean="0"/>
-              <a:t>14/12/2020</a:t>
+              <a:t>02/02/2021</a:t>
             </a:fld>
             <a:endParaRPr lang="fr-FR"/>
           </a:p>
@@ -2364,7 +2364,7 @@
           <a:p>
             <a:fld id="{E2F92F16-412C-4EC9-935A-E8378F67AD79}" type="datetimeFigureOut">
               <a:rPr lang="fr-FR" smtClean="0"/>
-              <a:t>14/12/2020</a:t>
+              <a:t>02/02/2021</a:t>
             </a:fld>
             <a:endParaRPr lang="fr-FR"/>
           </a:p>
@@ -2577,7 +2577,7 @@
           <a:p>
             <a:fld id="{E2F92F16-412C-4EC9-935A-E8378F67AD79}" type="datetimeFigureOut">
               <a:rPr lang="fr-FR" smtClean="0"/>
-              <a:t>14/12/2020</a:t>
+              <a:t>02/02/2021</a:t>
             </a:fld>
             <a:endParaRPr lang="fr-FR"/>
           </a:p>
@@ -4673,36 +4673,6 @@
           </a:p>
         </p:txBody>
       </p:sp>
-      <p:pic>
-        <p:nvPicPr>
-          <p:cNvPr id="62" name="Picture 61">
-            <a:extLst>
-              <a:ext uri="{FF2B5EF4-FFF2-40B4-BE49-F238E27FC236}">
-                <a16:creationId xmlns:a16="http://schemas.microsoft.com/office/drawing/2014/main" id="{DBEF91BA-6EF4-4257-8C5B-2B44F6A6DBE0}"/>
-              </a:ext>
-            </a:extLst>
-          </p:cNvPr>
-          <p:cNvPicPr>
-            <a:picLocks noChangeAspect="1"/>
-          </p:cNvPicPr>
-          <p:nvPr/>
-        </p:nvPicPr>
-        <p:blipFill>
-          <a:blip r:embed="rId2"/>
-          <a:stretch>
-            <a:fillRect/>
-          </a:stretch>
-        </p:blipFill>
-        <p:spPr>
-          <a:xfrm>
-            <a:off x="974655" y="19161386"/>
-            <a:ext cx="7944066" cy="7659728"/>
-          </a:xfrm>
-          <a:prstGeom prst="rect">
-            <a:avLst/>
-          </a:prstGeom>
-        </p:spPr>
-      </p:pic>
       <p:sp>
         <p:nvSpPr>
           <p:cNvPr id="63" name="TextBox 62">
@@ -9997,7 +9967,7 @@
           <p:nvPr/>
         </p:nvPicPr>
         <p:blipFill>
-          <a:blip r:embed="rId3" cstate="screen">
+          <a:blip r:embed="rId2" cstate="screen">
             <a:extLst>
               <a:ext uri="{28A0092B-C50C-407E-A947-70E740481C1C}">
                 <a14:useLocalDpi xmlns:a14="http://schemas.microsoft.com/office/drawing/2010/main"/>
@@ -10033,7 +10003,7 @@
           <p:nvPr/>
         </p:nvPicPr>
         <p:blipFill>
-          <a:blip r:embed="rId4"/>
+          <a:blip r:embed="rId3"/>
           <a:stretch>
             <a:fillRect/>
           </a:stretch>
@@ -10323,12 +10293,9 @@
 </file>
 
 <file path=customXml/item1.xml><?xml version="1.0" encoding="utf-8"?>
-<?mso-contentType ?>
-<FormTemplates xmlns="http://schemas.microsoft.com/sharepoint/v3/contenttype/forms">
-  <Display>DocumentLibraryForm</Display>
-  <Edit>DocumentLibraryForm</Edit>
-  <New>DocumentLibraryForm</New>
-</FormTemplates>
+<p:properties xmlns:p="http://schemas.microsoft.com/office/2006/metadata/properties" xmlns:xsi="http://www.w3.org/2001/XMLSchema-instance" xmlns:pc="http://schemas.microsoft.com/office/infopath/2007/PartnerControls">
+  <documentManagement/>
+</p:properties>
 </file>
 
 <file path=customXml/item2.xml><?xml version="1.0" encoding="utf-8"?>
@@ -10541,15 +10508,27 @@
 </file>
 
 <file path=customXml/item3.xml><?xml version="1.0" encoding="utf-8"?>
-<p:properties xmlns:p="http://schemas.microsoft.com/office/2006/metadata/properties" xmlns:xsi="http://www.w3.org/2001/XMLSchema-instance" xmlns:pc="http://schemas.microsoft.com/office/infopath/2007/PartnerControls">
-  <documentManagement/>
-</p:properties>
+<?mso-contentType ?>
+<FormTemplates xmlns="http://schemas.microsoft.com/sharepoint/v3/contenttype/forms">
+  <Display>DocumentLibraryForm</Display>
+  <Edit>DocumentLibraryForm</Edit>
+  <New>DocumentLibraryForm</New>
+</FormTemplates>
 </file>
 
 <file path=customXml/itemProps1.xml><?xml version="1.0" encoding="utf-8"?>
-<ds:datastoreItem xmlns:ds="http://schemas.openxmlformats.org/officeDocument/2006/customXml" ds:itemID="{7CC9B4E2-9CAF-4F60-B3CB-8E2535851FC6}">
+<ds:datastoreItem xmlns:ds="http://schemas.openxmlformats.org/officeDocument/2006/customXml" ds:itemID="{AFDCE2CA-33D9-4AC1-8759-93A3117DAD7A}">
   <ds:schemaRefs>
-    <ds:schemaRef ds:uri="http://schemas.microsoft.com/sharepoint/v3/contenttype/forms"/>
+    <ds:schemaRef ds:uri="http://schemas.microsoft.com/office/2006/metadata/properties"/>
+    <ds:schemaRef ds:uri="http://www.w3.org/XML/1998/namespace"/>
+    <ds:schemaRef ds:uri="http://purl.org/dc/elements/1.1/"/>
+    <ds:schemaRef ds:uri="http://schemas.microsoft.com/office/infopath/2007/PartnerControls"/>
+    <ds:schemaRef ds:uri="e2e26994-5e48-4994-8c16-0b6f61c4bc8a"/>
+    <ds:schemaRef ds:uri="http://schemas.microsoft.com/office/2006/documentManagement/types"/>
+    <ds:schemaRef ds:uri="http://purl.org/dc/dcmitype/"/>
+    <ds:schemaRef ds:uri="http://schemas.openxmlformats.org/package/2006/metadata/core-properties"/>
+    <ds:schemaRef ds:uri="9f09b4db-7fdb-4a79-a1ce-e7e1d5ac2b17"/>
+    <ds:schemaRef ds:uri="http://purl.org/dc/terms/"/>
   </ds:schemaRefs>
 </ds:datastoreItem>
 </file>
@@ -10574,18 +10553,9 @@
 </file>
 
 <file path=customXml/itemProps3.xml><?xml version="1.0" encoding="utf-8"?>
-<ds:datastoreItem xmlns:ds="http://schemas.openxmlformats.org/officeDocument/2006/customXml" ds:itemID="{AFDCE2CA-33D9-4AC1-8759-93A3117DAD7A}">
+<ds:datastoreItem xmlns:ds="http://schemas.openxmlformats.org/officeDocument/2006/customXml" ds:itemID="{7CC9B4E2-9CAF-4F60-B3CB-8E2535851FC6}">
   <ds:schemaRefs>
-    <ds:schemaRef ds:uri="http://schemas.microsoft.com/office/2006/metadata/properties"/>
-    <ds:schemaRef ds:uri="http://www.w3.org/XML/1998/namespace"/>
-    <ds:schemaRef ds:uri="http://purl.org/dc/elements/1.1/"/>
-    <ds:schemaRef ds:uri="http://schemas.microsoft.com/office/infopath/2007/PartnerControls"/>
-    <ds:schemaRef ds:uri="e2e26994-5e48-4994-8c16-0b6f61c4bc8a"/>
-    <ds:schemaRef ds:uri="http://schemas.microsoft.com/office/2006/documentManagement/types"/>
-    <ds:schemaRef ds:uri="http://purl.org/dc/dcmitype/"/>
-    <ds:schemaRef ds:uri="http://schemas.openxmlformats.org/package/2006/metadata/core-properties"/>
-    <ds:schemaRef ds:uri="9f09b4db-7fdb-4a79-a1ce-e7e1d5ac2b17"/>
-    <ds:schemaRef ds:uri="http://purl.org/dc/terms/"/>
+    <ds:schemaRef ds:uri="http://schemas.microsoft.com/sharepoint/v3/contenttype/forms"/>
   </ds:schemaRefs>
 </ds:datastoreItem>
 </file>